--- a/资料/js图解.pptx
+++ b/资料/js图解.pptx
@@ -13918,7 +13918,7 @@
         </p:nvSpPr>
         <p:spPr>
           <a:xfrm>
-            <a:off x="942113" y="1769343"/>
+            <a:off x="942113" y="1813163"/>
             <a:ext cx="1690245" cy="512618"/>
           </a:xfrm>
           <a:prstGeom prst="rect">
@@ -13947,8 +13947,12 @@
           <a:p>
             <a:pPr algn="ctr"/>
             <a:r>
+              <a:rPr lang="en-US" altLang="zh-CN"/>
+              <a:t>person</a:t>
+            </a:r>
+            <a:r>
               <a:rPr lang="zh-CN" altLang="en-US"/>
-              <a:t>构造器方法</a:t>
+              <a:t>对象</a:t>
             </a:r>
             <a:endParaRPr lang="en-US"/>
           </a:p>
@@ -14201,7 +14205,7 @@
           <p:nvPr>
             <p:extLst>
               <p:ext uri="{D42A27DB-BD31-4B8C-83A1-F6EECF244321}">
-                <p14:modId xmlns:p14="http://schemas.microsoft.com/office/powerpoint/2010/main" val="3874635130"/>
+                <p14:modId xmlns:p14="http://schemas.microsoft.com/office/powerpoint/2010/main" val="937812151"/>
               </p:ext>
             </p:extLst>
           </p:nvPr>
@@ -14240,8 +14244,12 @@
                     <a:p>
                       <a:pPr algn="ctr"/>
                       <a:r>
+                        <a:rPr lang="en-US" altLang="zh-CN"/>
+                        <a:t>person</a:t>
+                      </a:r>
+                      <a:r>
                         <a:rPr lang="zh-CN" altLang="en-US"/>
-                        <a:t>构造器变量对象</a:t>
+                        <a:t>变量对象</a:t>
                       </a:r>
                       <a:endParaRPr lang="en-US"/>
                     </a:p>
@@ -14285,7 +14293,7 @@
                     <a:p>
                       <a:r>
                         <a:rPr lang="en-US" altLang="zh-CN"/>
-                        <a:t>person</a:t>
+                        <a:t>window</a:t>
                       </a:r>
                       <a:r>
                         <a:rPr lang="zh-CN" altLang="en-US"/>
@@ -14705,161 +14713,6 @@
           </a:fontRef>
         </p:style>
       </p:cxnSp>
-      <p:grpSp>
-        <p:nvGrpSpPr>
-          <p:cNvPr id="69" name="组合 68">
-            <a:extLst>
-              <a:ext uri="{FF2B5EF4-FFF2-40B4-BE49-F238E27FC236}">
-                <a16:creationId xmlns:a16="http://schemas.microsoft.com/office/drawing/2014/main" id="{D4EA442C-B065-4111-AAF7-E91E370CDB29}"/>
-              </a:ext>
-            </a:extLst>
-          </p:cNvPr>
-          <p:cNvGrpSpPr/>
-          <p:nvPr/>
-        </p:nvGrpSpPr>
-        <p:grpSpPr>
-          <a:xfrm>
-            <a:off x="581887" y="1423319"/>
-            <a:ext cx="5624910" cy="1261920"/>
-            <a:chOff x="623452" y="1545363"/>
-            <a:chExt cx="2369120" cy="932978"/>
-          </a:xfrm>
-        </p:grpSpPr>
-        <p:sp>
-          <p:nvSpPr>
-            <p:cNvPr id="64" name="矩形 63">
-              <a:extLst>
-                <a:ext uri="{FF2B5EF4-FFF2-40B4-BE49-F238E27FC236}">
-                  <a16:creationId xmlns:a16="http://schemas.microsoft.com/office/drawing/2014/main" id="{5D28861E-59E9-4B62-BD7B-11C9C5A2640D}"/>
-                </a:ext>
-              </a:extLst>
-            </p:cNvPr>
-            <p:cNvSpPr/>
-            <p:nvPr/>
-          </p:nvSpPr>
-          <p:spPr>
-            <a:xfrm>
-              <a:off x="623453" y="1545363"/>
-              <a:ext cx="2369119" cy="932978"/>
-            </a:xfrm>
-            <a:prstGeom prst="rect">
-              <a:avLst/>
-            </a:prstGeom>
-            <a:noFill/>
-            <a:ln w="31750">
-              <a:solidFill>
-                <a:srgbClr val="FF0000"/>
-              </a:solidFill>
-            </a:ln>
-          </p:spPr>
-          <p:style>
-            <a:lnRef idx="2">
-              <a:schemeClr val="accent1">
-                <a:shade val="50000"/>
-              </a:schemeClr>
-            </a:lnRef>
-            <a:fillRef idx="1">
-              <a:schemeClr val="accent1"/>
-            </a:fillRef>
-            <a:effectRef idx="0">
-              <a:schemeClr val="accent1"/>
-            </a:effectRef>
-            <a:fontRef idx="minor">
-              <a:schemeClr val="lt1"/>
-            </a:fontRef>
-          </p:style>
-          <p:txBody>
-            <a:bodyPr rtlCol="0" anchor="ctr"/>
-            <a:lstStyle/>
-            <a:p>
-              <a:pPr algn="ctr"/>
-              <a:endParaRPr lang="en-US"/>
-            </a:p>
-          </p:txBody>
-        </p:sp>
-        <p:cxnSp>
-          <p:nvCxnSpPr>
-            <p:cNvPr id="66" name="直接连接符 65">
-              <a:extLst>
-                <a:ext uri="{FF2B5EF4-FFF2-40B4-BE49-F238E27FC236}">
-                  <a16:creationId xmlns:a16="http://schemas.microsoft.com/office/drawing/2014/main" id="{5ED0E7A8-1D34-4F26-ABC6-673659F7BAAC}"/>
-                </a:ext>
-              </a:extLst>
-            </p:cNvPr>
-            <p:cNvCxnSpPr/>
-            <p:nvPr/>
-          </p:nvCxnSpPr>
-          <p:spPr>
-            <a:xfrm>
-              <a:off x="623453" y="1545363"/>
-              <a:ext cx="2369119" cy="932978"/>
-            </a:xfrm>
-            <a:prstGeom prst="line">
-              <a:avLst/>
-            </a:prstGeom>
-            <a:ln w="31750">
-              <a:solidFill>
-                <a:srgbClr val="FF0000"/>
-              </a:solidFill>
-            </a:ln>
-          </p:spPr>
-          <p:style>
-            <a:lnRef idx="1">
-              <a:schemeClr val="accent1"/>
-            </a:lnRef>
-            <a:fillRef idx="0">
-              <a:schemeClr val="accent1"/>
-            </a:fillRef>
-            <a:effectRef idx="0">
-              <a:schemeClr val="accent1"/>
-            </a:effectRef>
-            <a:fontRef idx="minor">
-              <a:schemeClr val="tx1"/>
-            </a:fontRef>
-          </p:style>
-        </p:cxnSp>
-        <p:cxnSp>
-          <p:nvCxnSpPr>
-            <p:cNvPr id="68" name="直接连接符 67">
-              <a:extLst>
-                <a:ext uri="{FF2B5EF4-FFF2-40B4-BE49-F238E27FC236}">
-                  <a16:creationId xmlns:a16="http://schemas.microsoft.com/office/drawing/2014/main" id="{1E662BA2-8027-4587-9E21-AC2F15DFC238}"/>
-                </a:ext>
-              </a:extLst>
-            </p:cNvPr>
-            <p:cNvCxnSpPr/>
-            <p:nvPr/>
-          </p:nvCxnSpPr>
-          <p:spPr>
-            <a:xfrm flipH="1">
-              <a:off x="623452" y="1574168"/>
-              <a:ext cx="2369118" cy="904171"/>
-            </a:xfrm>
-            <a:prstGeom prst="line">
-              <a:avLst/>
-            </a:prstGeom>
-            <a:ln w="31750">
-              <a:solidFill>
-                <a:srgbClr val="FF0000"/>
-              </a:solidFill>
-            </a:ln>
-          </p:spPr>
-          <p:style>
-            <a:lnRef idx="1">
-              <a:schemeClr val="accent1"/>
-            </a:lnRef>
-            <a:fillRef idx="0">
-              <a:schemeClr val="accent1"/>
-            </a:fillRef>
-            <a:effectRef idx="0">
-              <a:schemeClr val="accent1"/>
-            </a:effectRef>
-            <a:fontRef idx="minor">
-              <a:schemeClr val="tx1"/>
-            </a:fontRef>
-          </p:style>
-        </p:cxnSp>
-      </p:grpSp>
       <p:sp>
         <p:nvSpPr>
           <p:cNvPr id="70" name="文本框 69">
